--- a/FinalProposal_KG.pptx
+++ b/FinalProposal_KG.pptx
@@ -107,6 +107,11 @@
       </a:defRPr>
     </a:lvl9pPr>
   </p:defaultTextStyle>
+  <p:extLst>
+    <p:ext uri="{EFAFB233-063F-42B5-8137-9DF3F51BA10A}">
+      <p15:sldGuideLst xmlns:p15="http://schemas.microsoft.com/office/powerpoint/2012/main"/>
+    </p:ext>
+  </p:extLst>
 </p:presentation>
 </file>
 
@@ -5973,7 +5978,12 @@
             <p:ph idx="1"/>
           </p:nvPr>
         </p:nvSpPr>
-        <p:spPr/>
+        <p:spPr>
+          <a:xfrm>
+            <a:off x="677334" y="1927472"/>
+            <a:ext cx="8596668" cy="3880773"/>
+          </a:xfrm>
+        </p:spPr>
         <p:txBody>
           <a:bodyPr/>
           <a:lstStyle/>
@@ -5986,7 +5996,15 @@
           <a:p>
             <a:r>
               <a:rPr lang="en-US" dirty="0"/>
-              <a:t>P(Exam Score = High |Test Preparation Course = Note Completed) = 14%</a:t>
+              <a:t>P(Exam Score = High |Test Preparation Course </a:t>
+            </a:r>
+            <a:r>
+              <a:rPr lang="en-US"/>
+              <a:t>= Not </a:t>
+            </a:r>
+            <a:r>
+              <a:rPr lang="en-US" dirty="0"/>
+              <a:t>Completed) = 14%</a:t>
             </a:r>
           </a:p>
           <a:p>
@@ -6025,8 +6043,47 @@
               <a:t>P(Exam Score = High | Gender = Male) = 16.6%</a:t>
             </a:r>
           </a:p>
-        </p:txBody>
-      </p:sp>
+          <a:p>
+            <a:endParaRPr lang="en-US" dirty="0"/>
+          </a:p>
+        </p:txBody>
+      </p:sp>
+      <p:pic>
+        <p:nvPicPr>
+          <p:cNvPr id="5" name="Picture 4">
+            <a:extLst>
+              <a:ext uri="{FF2B5EF4-FFF2-40B4-BE49-F238E27FC236}">
+                <a16:creationId xmlns:a16="http://schemas.microsoft.com/office/drawing/2014/main" id="{4428F51C-73D5-4AA6-9D2E-D4228D09EBF3}"/>
+              </a:ext>
+            </a:extLst>
+          </p:cNvPr>
+          <p:cNvPicPr>
+            <a:picLocks noChangeAspect="1"/>
+          </p:cNvPicPr>
+          <p:nvPr/>
+        </p:nvPicPr>
+        <p:blipFill>
+          <a:blip r:embed="rId2">
+            <a:extLst>
+              <a:ext uri="{28A0092B-C50C-407E-A947-70E740481C1C}">
+                <a14:useLocalDpi xmlns:a14="http://schemas.microsoft.com/office/drawing/2010/main" val="0"/>
+              </a:ext>
+            </a:extLst>
+          </a:blip>
+          <a:stretch>
+            <a:fillRect/>
+          </a:stretch>
+        </p:blipFill>
+        <p:spPr>
+          <a:xfrm>
+            <a:off x="1110649" y="5648435"/>
+            <a:ext cx="7014835" cy="932468"/>
+          </a:xfrm>
+          <a:prstGeom prst="rect">
+            <a:avLst/>
+          </a:prstGeom>
+        </p:spPr>
+      </p:pic>
     </p:spTree>
     <p:extLst>
       <p:ext uri="{BB962C8B-B14F-4D97-AF65-F5344CB8AC3E}">
@@ -6085,8 +6142,8 @@
           </a:p>
         </p:txBody>
       </p:sp>
-      <mc:AlternateContent xmlns:mc="http://schemas.openxmlformats.org/markup-compatibility/2006">
-        <mc:Choice xmlns:a14="http://schemas.microsoft.com/office/drawing/2010/main" Requires="a14">
+      <mc:AlternateContent xmlns:mc="http://schemas.openxmlformats.org/markup-compatibility/2006" xmlns:a14="http://schemas.microsoft.com/office/drawing/2010/main">
+        <mc:Choice Requires="a14">
           <p:sp>
             <p:nvSpPr>
               <p:cNvPr id="3" name="Content Placeholder 2">
@@ -6176,7 +6233,7 @@
             </p:txBody>
           </p:sp>
         </mc:Choice>
-        <mc:Fallback>
+        <mc:Fallback xmlns="">
           <p:sp>
             <p:nvSpPr>
               <p:cNvPr id="3" name="Content Placeholder 2">
@@ -6269,7 +6326,7 @@
           <a:p>
             <a:r>
               <a:rPr lang="en-US" dirty="0"/>
-              <a:t>Predicting Students Performance using SSE and R-squared</a:t>
+              <a:t>Predicting Average Score using Linear Regression</a:t>
             </a:r>
           </a:p>
         </p:txBody>
@@ -6297,13 +6354,54 @@
           <a:p>
             <a:r>
               <a:rPr lang="en-US" dirty="0"/>
-              <a:t>Updated data set to use integers instead of strings (Male = 1</a:t>
-            </a:r>
-            <a:r>
-              <a:rPr lang="en-US"/>
-              <a:t>, Female = 2)</a:t>
-            </a:r>
+              <a:t>Updated data set to use integers instead of strings (Male = 1, Female = 2)</a:t>
+            </a:r>
+          </a:p>
+          <a:p>
+            <a:r>
+              <a:rPr lang="en-US" dirty="0"/>
+              <a:t>Three attributes that best predict average score (not including Math, Reading, and Writing Scores)</a:t>
+            </a:r>
+          </a:p>
+          <a:p>
+            <a:pPr lvl="1"/>
+            <a:r>
+              <a:rPr lang="en-US" dirty="0"/>
+              <a:t>Lunch, Test Preparation Course, and Parental Level of Education</a:t>
+            </a:r>
+          </a:p>
+          <a:p>
+            <a:pPr lvl="2"/>
+            <a:r>
+              <a:rPr lang="en-US" dirty="0"/>
+              <a:t>SSE = 162,726, R-squared = 0.1987</a:t>
+            </a:r>
+          </a:p>
+          <a:p>
+            <a:pPr marL="914400" lvl="2" indent="0">
+              <a:buNone/>
+            </a:pPr>
             <a:endParaRPr lang="en-US" dirty="0"/>
+          </a:p>
+          <a:p>
+            <a:r>
+              <a:rPr lang="en-US" dirty="0"/>
+              <a:t>Three attributes that best predict average score (including Math, Reading, and Writing Scores)</a:t>
+            </a:r>
+          </a:p>
+          <a:p>
+            <a:pPr lvl="1"/>
+            <a:r>
+              <a:rPr lang="en-US" dirty="0"/>
+              <a:t>Gender, Math Score, Reading Score</a:t>
+            </a:r>
+          </a:p>
+          <a:p>
+            <a:pPr lvl="2"/>
+            <a:r>
+              <a:rPr lang="en-US" dirty="0"/>
+              <a:t>SSE = 1,823.70, R-squared = 0.991</a:t>
+            </a:r>
           </a:p>
         </p:txBody>
       </p:sp>
